--- a/Slides/Lecture 17-4.pptx
+++ b/Slides/Lecture 17-4.pptx
@@ -231,7 +231,7 @@
             <a:fld id="{A6781D3C-003D-4837-A496-9A32CDA8003A}" type="datetimeFigureOut">
               <a:rPr lang="en-US" smtClean="0"/>
               <a:pPr/>
-              <a:t>3/6/2019</a:t>
+              <a:t>5/2/19</a:t>
             </a:fld>
             <a:endParaRPr lang="en-US"/>
           </a:p>
@@ -5674,13 +5674,6 @@
   <p:clrMapOvr>
     <a:masterClrMapping/>
   </p:clrMapOvr>
-  <p:timing>
-    <p:tnLst>
-      <p:par>
-        <p:cTn id="1" dur="indefinite" restart="never" nodeType="tmRoot"/>
-      </p:par>
-    </p:tnLst>
-  </p:timing>
 </p:sld>
 </file>
 
@@ -5772,13 +5765,6 @@
   <p:clrMapOvr>
     <a:masterClrMapping/>
   </p:clrMapOvr>
-  <p:timing>
-    <p:tnLst>
-      <p:par>
-        <p:cTn id="1" dur="indefinite" restart="never" nodeType="tmRoot"/>
-      </p:par>
-    </p:tnLst>
-  </p:timing>
 </p:sld>
 </file>
 
@@ -5870,21 +5856,6 @@
   <p:clrMapOvr>
     <a:masterClrMapping/>
   </p:clrMapOvr>
-  <mc:AlternateContent xmlns:mc="http://schemas.openxmlformats.org/markup-compatibility/2006">
-    <mc:Choice xmlns:p14="http://schemas.microsoft.com/office/powerpoint/2010/main" Requires="p14">
-      <p:transition spd="slow" p14:dur="2000"/>
-    </mc:Choice>
-    <mc:Fallback>
-      <p:transition spd="slow"/>
-    </mc:Fallback>
-  </mc:AlternateContent>
-  <p:timing>
-    <p:tnLst>
-      <p:par>
-        <p:cTn id="1" dur="indefinite" restart="never" nodeType="tmRoot"/>
-      </p:par>
-    </p:tnLst>
-  </p:timing>
 </p:sld>
 </file>
 
@@ -5939,21 +5910,6 @@
   <p:clrMapOvr>
     <a:masterClrMapping/>
   </p:clrMapOvr>
-  <mc:AlternateContent xmlns:mc="http://schemas.openxmlformats.org/markup-compatibility/2006">
-    <mc:Choice xmlns:p14="http://schemas.microsoft.com/office/powerpoint/2010/main" Requires="p14">
-      <p:transition spd="slow" p14:dur="2000"/>
-    </mc:Choice>
-    <mc:Fallback>
-      <p:transition spd="slow"/>
-    </mc:Fallback>
-  </mc:AlternateContent>
-  <p:timing>
-    <p:tnLst>
-      <p:par>
-        <p:cTn id="1" dur="indefinite" restart="never" nodeType="tmRoot"/>
-      </p:par>
-    </p:tnLst>
-  </p:timing>
 </p:sld>
 </file>
 
@@ -6008,14 +5964,6 @@
   <p:clrMapOvr>
     <a:masterClrMapping/>
   </p:clrMapOvr>
-  <mc:AlternateContent xmlns:mc="http://schemas.openxmlformats.org/markup-compatibility/2006">
-    <mc:Choice xmlns:p14="http://schemas.microsoft.com/office/powerpoint/2010/main" Requires="p14">
-      <p:transition spd="slow" p14:dur="2000"/>
-    </mc:Choice>
-    <mc:Fallback>
-      <p:transition spd="slow"/>
-    </mc:Fallback>
-  </mc:AlternateContent>
 </p:sld>
 </file>
 
@@ -6070,14 +6018,6 @@
   <p:clrMapOvr>
     <a:masterClrMapping/>
   </p:clrMapOvr>
-  <mc:AlternateContent xmlns:mc="http://schemas.openxmlformats.org/markup-compatibility/2006">
-    <mc:Choice xmlns:p14="http://schemas.microsoft.com/office/powerpoint/2010/main" Requires="p14">
-      <p:transition spd="slow" p14:dur="2000"/>
-    </mc:Choice>
-    <mc:Fallback>
-      <p:transition spd="slow"/>
-    </mc:Fallback>
-  </mc:AlternateContent>
 </p:sld>
 </file>
 
@@ -6132,14 +6072,6 @@
   <p:clrMapOvr>
     <a:masterClrMapping/>
   </p:clrMapOvr>
-  <mc:AlternateContent xmlns:mc="http://schemas.openxmlformats.org/markup-compatibility/2006">
-    <mc:Choice xmlns:p14="http://schemas.microsoft.com/office/powerpoint/2010/main" Requires="p14">
-      <p:transition spd="slow" p14:dur="2000"/>
-    </mc:Choice>
-    <mc:Fallback>
-      <p:transition spd="slow"/>
-    </mc:Fallback>
-  </mc:AlternateContent>
 </p:sld>
 </file>
 
@@ -6194,14 +6126,6 @@
   <p:clrMapOvr>
     <a:masterClrMapping/>
   </p:clrMapOvr>
-  <mc:AlternateContent xmlns:mc="http://schemas.openxmlformats.org/markup-compatibility/2006">
-    <mc:Choice xmlns:p14="http://schemas.microsoft.com/office/powerpoint/2010/main" Requires="p14">
-      <p:transition spd="slow" p14:dur="2000"/>
-    </mc:Choice>
-    <mc:Fallback>
-      <p:transition spd="slow"/>
-    </mc:Fallback>
-  </mc:AlternateContent>
 </p:sld>
 </file>
 
@@ -6256,14 +6180,6 @@
   <p:clrMapOvr>
     <a:masterClrMapping/>
   </p:clrMapOvr>
-  <mc:AlternateContent xmlns:mc="http://schemas.openxmlformats.org/markup-compatibility/2006">
-    <mc:Choice xmlns:p14="http://schemas.microsoft.com/office/powerpoint/2010/main" Requires="p14">
-      <p:transition spd="slow" p14:dur="2000"/>
-    </mc:Choice>
-    <mc:Fallback>
-      <p:transition spd="slow"/>
-    </mc:Fallback>
-  </mc:AlternateContent>
 </p:sld>
 </file>
 
@@ -6318,21 +6234,6 @@
   <p:clrMapOvr>
     <a:masterClrMapping/>
   </p:clrMapOvr>
-  <mc:AlternateContent xmlns:mc="http://schemas.openxmlformats.org/markup-compatibility/2006">
-    <mc:Choice xmlns:p14="http://schemas.microsoft.com/office/powerpoint/2010/main" Requires="p14">
-      <p:transition spd="slow" p14:dur="2000"/>
-    </mc:Choice>
-    <mc:Fallback>
-      <p:transition spd="slow"/>
-    </mc:Fallback>
-  </mc:AlternateContent>
-  <p:timing>
-    <p:tnLst>
-      <p:par>
-        <p:cTn id="1" dur="indefinite" restart="never" nodeType="tmRoot"/>
-      </p:par>
-    </p:tnLst>
-  </p:timing>
 </p:sld>
 </file>
 
@@ -6391,10 +6292,9 @@
           <a:lstStyle/>
           <a:p>
             <a:r>
-              <a:rPr lang="en-US" dirty="0" smtClean="0"/>
+              <a:rPr lang="en-US" dirty="0"/>
               <a:t>Tree Adjoining Grammars</a:t>
             </a:r>
-            <a:endParaRPr lang="en-US" dirty="0"/>
           </a:p>
         </p:txBody>
       </p:sp>
@@ -7716,13 +7616,6 @@
   <p:clrMapOvr>
     <a:masterClrMapping/>
   </p:clrMapOvr>
-  <p:timing>
-    <p:tnLst>
-      <p:par>
-        <p:cTn id="1" dur="indefinite" restart="never" nodeType="tmRoot"/>
-      </p:par>
-    </p:tnLst>
-  </p:timing>
 </p:sld>
 </file>
 
@@ -7853,13 +7746,6 @@
   <p:clrMapOvr>
     <a:masterClrMapping/>
   </p:clrMapOvr>
-  <p:timing>
-    <p:tnLst>
-      <p:par>
-        <p:cTn id="1" dur="indefinite" restart="never" nodeType="tmRoot"/>
-      </p:par>
-    </p:tnLst>
-  </p:timing>
 </p:sld>
 </file>
 
@@ -8011,13 +7897,6 @@
   <p:clrMapOvr>
     <a:masterClrMapping/>
   </p:clrMapOvr>
-  <p:timing>
-    <p:tnLst>
-      <p:par>
-        <p:cTn id="1" dur="indefinite" restart="never" nodeType="tmRoot"/>
-      </p:par>
-    </p:tnLst>
-  </p:timing>
 </p:sld>
 </file>
 
@@ -8116,13 +7995,6 @@
   <p:clrMapOvr>
     <a:masterClrMapping/>
   </p:clrMapOvr>
-  <p:timing>
-    <p:tnLst>
-      <p:par>
-        <p:cTn id="1" dur="indefinite" restart="never" nodeType="tmRoot"/>
-      </p:par>
-    </p:tnLst>
-  </p:timing>
 </p:sld>
 </file>
 
@@ -8320,13 +8192,6 @@
   <p:clrMapOvr>
     <a:masterClrMapping/>
   </p:clrMapOvr>
-  <p:timing>
-    <p:tnLst>
-      <p:par>
-        <p:cTn id="1" dur="indefinite" restart="never" nodeType="tmRoot"/>
-      </p:par>
-    </p:tnLst>
-  </p:timing>
 </p:sld>
 </file>
 
@@ -8427,13 +8292,6 @@
   <p:clrMapOvr>
     <a:masterClrMapping/>
   </p:clrMapOvr>
-  <p:timing>
-    <p:tnLst>
-      <p:par>
-        <p:cTn id="1" dur="indefinite" restart="never" nodeType="tmRoot"/>
-      </p:par>
-    </p:tnLst>
-  </p:timing>
 </p:sld>
 </file>
 
@@ -8539,13 +8397,6 @@
   <p:clrMapOvr>
     <a:masterClrMapping/>
   </p:clrMapOvr>
-  <p:timing>
-    <p:tnLst>
-      <p:par>
-        <p:cTn id="1" dur="indefinite" restart="never" nodeType="tmRoot"/>
-      </p:par>
-    </p:tnLst>
-  </p:timing>
 </p:sld>
 </file>
 
@@ -8691,13 +8542,6 @@
   <p:clrMapOvr>
     <a:masterClrMapping/>
   </p:clrMapOvr>
-  <p:timing>
-    <p:tnLst>
-      <p:par>
-        <p:cTn id="1" dur="indefinite" restart="never" nodeType="tmRoot"/>
-      </p:par>
-    </p:tnLst>
-  </p:timing>
 </p:sld>
 </file>
 
@@ -10339,13 +10183,6 @@
   <p:clrMapOvr>
     <a:masterClrMapping/>
   </p:clrMapOvr>
-  <p:timing>
-    <p:tnLst>
-      <p:par>
-        <p:cTn id="1" dur="indefinite" restart="never" nodeType="tmRoot"/>
-      </p:par>
-    </p:tnLst>
-  </p:timing>
 </p:sld>
 </file>
 
